--- a/doc/IBM Bluemix DevOps Services のプロジェクトを Eclipse にインポートする ～ IBM Eclipse Tools for Bluemix for Mars 編 ～.pptx
+++ b/doc/IBM Bluemix DevOps Services のプロジェクトを Eclipse にインポートする ～ IBM Eclipse Tools for Bluemix for Mars 編 ～.pptx
@@ -2233,7 +2233,7 @@
         <p:spPr bwMode="auto">
           <a:xfrm>
             <a:off x="955752" y="1050995"/>
-            <a:ext cx="5559920" cy="707886"/>
+            <a:ext cx="3730508" cy="584775"/>
           </a:xfrm>
           <a:prstGeom prst="rect">
             <a:avLst/>
@@ -2445,18 +2445,31 @@
               <a:defRPr/>
             </a:pPr>
             <a:r>
-              <a:rPr kumimoji="0" lang="en-US" altLang="ja-JP" sz="4000" dirty="0" smtClean="0">
+              <a:rPr kumimoji="0" lang="en-US" altLang="ja-JP" sz="3200" dirty="0" smtClean="0">
                 <a:solidFill>
                   <a:srgbClr val="00849E"/>
                 </a:solidFill>
+                <a:latin typeface="+mj-ea"/>
+                <a:ea typeface="+mj-ea"/>
               </a:rPr>
-              <a:t>Technical Enablement</a:t>
-            </a:r>
-            <a:endParaRPr kumimoji="0" lang="en-US" altLang="ja-JP" sz="1000" b="0" dirty="0" smtClean="0">
+              <a:t>Bluemix </a:t>
+            </a:r>
+            <a:r>
+              <a:rPr kumimoji="0" lang="ja-JP" altLang="en-US" sz="3200" dirty="0" smtClean="0">
+                <a:solidFill>
+                  <a:srgbClr val="00849E"/>
+                </a:solidFill>
+                <a:latin typeface="+mj-ea"/>
+                <a:ea typeface="+mj-ea"/>
+              </a:rPr>
+              <a:t>のご紹介</a:t>
+            </a:r>
+            <a:endParaRPr kumimoji="0" lang="en-US" altLang="ja-JP" sz="3200" b="0" dirty="0" smtClean="0">
               <a:solidFill>
                 <a:srgbClr val="00849E"/>
               </a:solidFill>
-              <a:latin typeface="Arial" panose="020B0604020202020204" pitchFamily="34" charset="0"/>
+              <a:latin typeface="+mj-ea"/>
+              <a:ea typeface="+mj-ea"/>
             </a:endParaRPr>
           </a:p>
         </p:txBody>
@@ -11148,11 +11161,7 @@
             </a:r>
             <a:r>
               <a:rPr kumimoji="1" lang="ja-JP" altLang="en-US" sz="2000" dirty="0" smtClean="0"/>
-              <a:t>は連携が容易である</a:t>
-            </a:r>
-            <a:r>
-              <a:rPr kumimoji="1" lang="ja-JP" altLang="en-US" sz="2000" dirty="0" smtClean="0"/>
-              <a:t>。</a:t>
+              <a:t>は連携が容易である。</a:t>
             </a:r>
             <a:endParaRPr kumimoji="1" lang="en-US" altLang="ja-JP" sz="2000" dirty="0" smtClean="0"/>
           </a:p>
@@ -11247,6 +11256,34 @@
             </a:r>
             <a:r>
               <a:rPr lang="en-US" altLang="ja-JP" sz="1600" dirty="0"/>
+              <a:t>IDS </a:t>
+            </a:r>
+            <a:r>
+              <a:rPr lang="ja-JP" altLang="en-US" sz="1600" dirty="0"/>
+              <a:t>の </a:t>
+            </a:r>
+            <a:r>
+              <a:rPr lang="en-US" altLang="ja-JP" sz="1600" dirty="0"/>
+              <a:t>Delivery </a:t>
+            </a:r>
+            <a:r>
+              <a:rPr lang="en-US" altLang="ja-JP" sz="1600" dirty="0" smtClean="0"/>
+              <a:t>Pipeline</a:t>
+            </a:r>
+            <a:r>
+              <a:rPr lang="ja-JP" altLang="en-US" sz="1600" dirty="0"/>
+              <a:t> </a:t>
+            </a:r>
+            <a:r>
+              <a:rPr lang="ja-JP" altLang="en-US" sz="1600" dirty="0" smtClean="0"/>
+              <a:t>を</a:t>
+            </a:r>
+            <a:r>
+              <a:rPr lang="ja-JP" altLang="en-US" sz="1600" dirty="0"/>
+              <a:t>介して </a:t>
+            </a:r>
+            <a:r>
+              <a:rPr lang="en-US" altLang="ja-JP" sz="1600" dirty="0"/>
               <a:t>Bluemix </a:t>
             </a:r>
             <a:r>
@@ -11259,13 +11296,9 @@
             </a:r>
             <a:r>
               <a:rPr lang="ja-JP" altLang="en-US" sz="1600" dirty="0"/>
-              <a:t>できる</a:t>
-            </a:r>
-            <a:r>
-              <a:rPr lang="ja-JP" altLang="en-US" sz="1600" dirty="0" smtClean="0"/>
-              <a:t>。</a:t>
-            </a:r>
-            <a:endParaRPr kumimoji="1" lang="en-US" altLang="ja-JP" sz="2000" dirty="0" smtClean="0"/>
+              <a:t>できる。</a:t>
+            </a:r>
+            <a:endParaRPr lang="en-US" altLang="ja-JP" sz="1600" dirty="0"/>
           </a:p>
           <a:p>
             <a:pPr>
@@ -11333,11 +11366,7 @@
             </a:r>
             <a:r>
               <a:rPr kumimoji="1" lang="en-US" altLang="ja-JP" sz="2000" dirty="0" smtClean="0"/>
-              <a:t>WAS Liberty </a:t>
-            </a:r>
-            <a:r>
-              <a:rPr kumimoji="1" lang="en-US" altLang="ja-JP" sz="2000" dirty="0" smtClean="0"/>
-              <a:t>Profile </a:t>
+              <a:t>WAS Liberty Profile </a:t>
             </a:r>
             <a:r>
               <a:rPr kumimoji="1" lang="ja-JP" altLang="en-US" sz="2000" dirty="0" smtClean="0"/>
@@ -11349,11 +11378,7 @@
             </a:r>
             <a:r>
               <a:rPr lang="ja-JP" altLang="en-US" sz="2000" dirty="0" smtClean="0"/>
-              <a:t>ルしなくても、プログラムのビルドや実行ができる</a:t>
-            </a:r>
-            <a:r>
-              <a:rPr lang="ja-JP" altLang="en-US" sz="2000" dirty="0" smtClean="0"/>
-              <a:t>。</a:t>
+              <a:t>ルしなくても、プログラムのビルドや実行ができる。</a:t>
             </a:r>
             <a:endParaRPr lang="en-US" altLang="ja-JP" sz="2000" dirty="0" smtClean="0"/>
           </a:p>
@@ -11388,11 +11413,11 @@
               <a:t>Profile </a:t>
             </a:r>
             <a:r>
-              <a:rPr lang="ja-JP" altLang="en-US" sz="1600" smtClean="0"/>
+              <a:rPr lang="ja-JP" altLang="en-US" sz="1600" dirty="0" smtClean="0"/>
               <a:t>のアプリケーション更新に比べて遅い。</a:t>
             </a:r>
             <a:r>
-              <a:rPr lang="en-US" altLang="ja-JP" sz="1600" smtClean="0"/>
+              <a:rPr lang="en-US" altLang="ja-JP" sz="1600" dirty="0" smtClean="0"/>
               <a:t> </a:t>
             </a:r>
             <a:endParaRPr kumimoji="1" lang="en-US" altLang="ja-JP" sz="1600" dirty="0" smtClean="0"/>
